--- a/Reference Applications on Java.pptx
+++ b/Reference Applications on Java.pptx
@@ -249,7 +249,7 @@
           <a:p>
             <a:fld id="{ED420793-173B-4658-8043-7F15A4EF911C}" type="datetimeFigureOut">
               <a:rPr lang="en-US" smtClean="0"/>
-              <a:t>1/31/2017</a:t>
+              <a:t>2/1/2017</a:t>
             </a:fld>
             <a:endParaRPr lang="en-US"/>
           </a:p>
@@ -419,7 +419,7 @@
           <a:p>
             <a:fld id="{ED420793-173B-4658-8043-7F15A4EF911C}" type="datetimeFigureOut">
               <a:rPr lang="en-US" smtClean="0"/>
-              <a:t>1/31/2017</a:t>
+              <a:t>2/1/2017</a:t>
             </a:fld>
             <a:endParaRPr lang="en-US"/>
           </a:p>
@@ -599,7 +599,7 @@
           <a:p>
             <a:fld id="{ED420793-173B-4658-8043-7F15A4EF911C}" type="datetimeFigureOut">
               <a:rPr lang="en-US" smtClean="0"/>
-              <a:t>1/31/2017</a:t>
+              <a:t>2/1/2017</a:t>
             </a:fld>
             <a:endParaRPr lang="en-US"/>
           </a:p>
@@ -769,7 +769,7 @@
           <a:p>
             <a:fld id="{ED420793-173B-4658-8043-7F15A4EF911C}" type="datetimeFigureOut">
               <a:rPr lang="en-US" smtClean="0"/>
-              <a:t>1/31/2017</a:t>
+              <a:t>2/1/2017</a:t>
             </a:fld>
             <a:endParaRPr lang="en-US"/>
           </a:p>
@@ -1015,7 +1015,7 @@
           <a:p>
             <a:fld id="{ED420793-173B-4658-8043-7F15A4EF911C}" type="datetimeFigureOut">
               <a:rPr lang="en-US" smtClean="0"/>
-              <a:t>1/31/2017</a:t>
+              <a:t>2/1/2017</a:t>
             </a:fld>
             <a:endParaRPr lang="en-US"/>
           </a:p>
@@ -1247,7 +1247,7 @@
           <a:p>
             <a:fld id="{ED420793-173B-4658-8043-7F15A4EF911C}" type="datetimeFigureOut">
               <a:rPr lang="en-US" smtClean="0"/>
-              <a:t>1/31/2017</a:t>
+              <a:t>2/1/2017</a:t>
             </a:fld>
             <a:endParaRPr lang="en-US"/>
           </a:p>
@@ -1614,7 +1614,7 @@
           <a:p>
             <a:fld id="{ED420793-173B-4658-8043-7F15A4EF911C}" type="datetimeFigureOut">
               <a:rPr lang="en-US" smtClean="0"/>
-              <a:t>1/31/2017</a:t>
+              <a:t>2/1/2017</a:t>
             </a:fld>
             <a:endParaRPr lang="en-US"/>
           </a:p>
@@ -1732,7 +1732,7 @@
           <a:p>
             <a:fld id="{ED420793-173B-4658-8043-7F15A4EF911C}" type="datetimeFigureOut">
               <a:rPr lang="en-US" smtClean="0"/>
-              <a:t>1/31/2017</a:t>
+              <a:t>2/1/2017</a:t>
             </a:fld>
             <a:endParaRPr lang="en-US"/>
           </a:p>
@@ -1827,7 +1827,7 @@
           <a:p>
             <a:fld id="{ED420793-173B-4658-8043-7F15A4EF911C}" type="datetimeFigureOut">
               <a:rPr lang="en-US" smtClean="0"/>
-              <a:t>1/31/2017</a:t>
+              <a:t>2/1/2017</a:t>
             </a:fld>
             <a:endParaRPr lang="en-US"/>
           </a:p>
@@ -2104,7 +2104,7 @@
           <a:p>
             <a:fld id="{ED420793-173B-4658-8043-7F15A4EF911C}" type="datetimeFigureOut">
               <a:rPr lang="en-US" smtClean="0"/>
-              <a:t>1/31/2017</a:t>
+              <a:t>2/1/2017</a:t>
             </a:fld>
             <a:endParaRPr lang="en-US"/>
           </a:p>
@@ -2357,7 +2357,7 @@
           <a:p>
             <a:fld id="{ED420793-173B-4658-8043-7F15A4EF911C}" type="datetimeFigureOut">
               <a:rPr lang="en-US" smtClean="0"/>
-              <a:t>1/31/2017</a:t>
+              <a:t>2/1/2017</a:t>
             </a:fld>
             <a:endParaRPr lang="en-US"/>
           </a:p>
@@ -2570,7 +2570,7 @@
           <a:p>
             <a:fld id="{ED420793-173B-4658-8043-7F15A4EF911C}" type="datetimeFigureOut">
               <a:rPr lang="en-US" smtClean="0"/>
-              <a:t>1/31/2017</a:t>
+              <a:t>2/1/2017</a:t>
             </a:fld>
             <a:endParaRPr lang="en-US"/>
           </a:p>
@@ -2992,7 +2992,19 @@
           <a:p>
             <a:r>
               <a:rPr lang="en-US" dirty="0" smtClean="0"/>
-              <a:t>Why Reference Applications on Java?</a:t>
+              <a:t>Why Reference Applications </a:t>
+            </a:r>
+            <a:r>
+              <a:rPr lang="en-US" dirty="0" smtClean="0"/>
+              <a:t>in </a:t>
+            </a:r>
+            <a:r>
+              <a:rPr lang="en-US" dirty="0" smtClean="0"/>
+              <a:t>Java</a:t>
+            </a:r>
+            <a:r>
+              <a:rPr lang="en-US" dirty="0" smtClean="0"/>
+              <a:t>?</a:t>
             </a:r>
             <a:endParaRPr lang="en-US" dirty="0"/>
           </a:p>
@@ -3224,7 +3236,11 @@
           <a:p>
             <a:r>
               <a:rPr lang="en-US" dirty="0" smtClean="0"/>
-              <a:t>Databricks Reference Applications on Java</a:t>
+              <a:t>Databricks Reference Applications </a:t>
+            </a:r>
+            <a:r>
+              <a:rPr lang="en-US" dirty="0" smtClean="0"/>
+              <a:t>in Java</a:t>
             </a:r>
             <a:endParaRPr lang="en-US" dirty="0"/>
           </a:p>
@@ -3256,18 +3272,28 @@
               <a:rPr lang="en-US" dirty="0" smtClean="0"/>
               <a:t>No Twitter Language Classifier, no Weather Time Series</a:t>
             </a:r>
-          </a:p>
-          <a:p>
-            <a:r>
-              <a:rPr lang="en-US" dirty="0" smtClean="0"/>
-              <a:t>Java 8</a:t>
-            </a:r>
-          </a:p>
-          <a:p>
-            <a:r>
-              <a:rPr lang="en-US" dirty="0" smtClean="0"/>
-              <a:t>Spark 2.0</a:t>
-            </a:r>
+            <a:endParaRPr lang="en-US" dirty="0"/>
+          </a:p>
+          <a:p>
+            <a:r>
+              <a:rPr lang="en-US" dirty="0"/>
+              <a:t>Spark </a:t>
+            </a:r>
+            <a:r>
+              <a:rPr lang="en-US" dirty="0" smtClean="0"/>
+              <a:t>2.0</a:t>
+            </a:r>
+          </a:p>
+          <a:p>
+            <a:r>
+              <a:rPr lang="en-US" dirty="0" smtClean="0"/>
+              <a:t>Java </a:t>
+            </a:r>
+            <a:r>
+              <a:rPr lang="en-US" dirty="0"/>
+              <a:t>8</a:t>
+            </a:r>
+            <a:endParaRPr lang="en-US" dirty="0" smtClean="0"/>
           </a:p>
         </p:txBody>
       </p:sp>
@@ -3325,7 +3351,7 @@
           <a:p>
             <a:r>
               <a:rPr lang="en-US" dirty="0" smtClean="0"/>
-              <a:t>Structure</a:t>
+              <a:t>Log Analyzer Structure</a:t>
             </a:r>
             <a:endParaRPr lang="en-US" dirty="0"/>
           </a:p>
@@ -3472,18 +3498,6 @@
           <a:p>
             <a:r>
               <a:rPr lang="en-US" dirty="0" smtClean="0"/>
-              <a:t>Real-time input data</a:t>
-            </a:r>
-          </a:p>
-          <a:p>
-            <a:r>
-              <a:rPr lang="en-US" dirty="0" smtClean="0"/>
-              <a:t>Sliding window and total</a:t>
-            </a:r>
-          </a:p>
-          <a:p>
-            <a:r>
-              <a:rPr lang="en-US" dirty="0" smtClean="0"/>
               <a:t>Statistics on HTTP requests</a:t>
             </a:r>
           </a:p>
@@ -3514,6 +3528,34 @@
               <a:rPr lang="en-US" dirty="0" smtClean="0"/>
               <a:t>top 10 accessed endpoints</a:t>
             </a:r>
+          </a:p>
+          <a:p>
+            <a:r>
+              <a:rPr lang="en-US" dirty="0" smtClean="0"/>
+              <a:t>Sliding </a:t>
+            </a:r>
+            <a:r>
+              <a:rPr lang="en-US" dirty="0"/>
+              <a:t>window and </a:t>
+            </a:r>
+            <a:r>
+              <a:rPr lang="en-US" dirty="0" smtClean="0"/>
+              <a:t>total</a:t>
+            </a:r>
+          </a:p>
+          <a:p>
+            <a:r>
+              <a:rPr lang="en-US" dirty="0"/>
+              <a:t>Real-time input </a:t>
+            </a:r>
+            <a:r>
+              <a:rPr lang="en-US" dirty="0" smtClean="0"/>
+              <a:t>data</a:t>
+            </a:r>
+            <a:endParaRPr lang="en-US" dirty="0"/>
+          </a:p>
+          <a:p>
+            <a:endParaRPr lang="en-US" dirty="0" smtClean="0"/>
           </a:p>
           <a:p>
             <a:endParaRPr lang="en-US" dirty="0" smtClean="0"/>
@@ -3939,10 +3981,9 @@
           <a:p>
             <a:pPr lvl="1"/>
             <a:r>
-              <a:rPr lang="en-US" smtClean="0"/>
+              <a:rPr lang="en-US" dirty="0" smtClean="0"/>
               <a:t>Large data</a:t>
             </a:r>
-            <a:endParaRPr lang="en-US" dirty="0" smtClean="0"/>
           </a:p>
           <a:p>
             <a:pPr lvl="1"/>
@@ -4004,7 +4045,11 @@
           <a:p>
             <a:r>
               <a:rPr lang="en-US" dirty="0" smtClean="0"/>
-              <a:t>Java Ref Apps: For Java folks’ wealth and joy</a:t>
+              <a:t>Java Ref Apps: For Java folks’ wealth and </a:t>
+            </a:r>
+            <a:r>
+              <a:rPr lang="en-US" dirty="0" smtClean="0"/>
+              <a:t>joy</a:t>
             </a:r>
             <a:endParaRPr lang="en-US" dirty="0"/>
           </a:p>

--- a/Reference Applications on Java.pptx
+++ b/Reference Applications on Java.pptx
@@ -6,12 +6,13 @@
   </p:sldMasterIdLst>
   <p:sldIdLst>
     <p:sldId id="256" r:id="rId2"/>
-    <p:sldId id="266" r:id="rId3"/>
-    <p:sldId id="268" r:id="rId4"/>
-    <p:sldId id="258" r:id="rId5"/>
-    <p:sldId id="259" r:id="rId6"/>
-    <p:sldId id="260" r:id="rId7"/>
-    <p:sldId id="267" r:id="rId8"/>
+    <p:sldId id="269" r:id="rId3"/>
+    <p:sldId id="266" r:id="rId4"/>
+    <p:sldId id="268" r:id="rId5"/>
+    <p:sldId id="258" r:id="rId6"/>
+    <p:sldId id="259" r:id="rId7"/>
+    <p:sldId id="260" r:id="rId8"/>
+    <p:sldId id="267" r:id="rId9"/>
   </p:sldIdLst>
   <p:sldSz cx="12192000" cy="6858000"/>
   <p:notesSz cx="6858000" cy="9144000"/>
@@ -2991,194 +2992,79 @@
           <a:lstStyle/>
           <a:p>
             <a:r>
-              <a:rPr lang="en-US" dirty="0" smtClean="0"/>
-              <a:t>Why Reference Applications </a:t>
-            </a:r>
-            <a:r>
-              <a:rPr lang="en-US" dirty="0" smtClean="0"/>
-              <a:t>in </a:t>
-            </a:r>
-            <a:r>
-              <a:rPr lang="en-US" dirty="0" smtClean="0"/>
-              <a:t>Java</a:t>
-            </a:r>
-            <a:r>
-              <a:rPr lang="en-US" dirty="0" smtClean="0"/>
-              <a:t>?</a:t>
+              <a:rPr lang="en-US" smtClean="0"/>
+              <a:t>TODO</a:t>
             </a:r>
             <a:endParaRPr lang="en-US" dirty="0"/>
           </a:p>
         </p:txBody>
       </p:sp>
-      <p:pic>
-        <p:nvPicPr>
-          <p:cNvPr id="6" name="Content Placeholder 5"/>
-          <p:cNvPicPr>
-            <a:picLocks noGrp="1" noChangeAspect="1"/>
-          </p:cNvPicPr>
+      <p:sp>
+        <p:nvSpPr>
+          <p:cNvPr id="13" name="Content Placeholder 12"/>
+          <p:cNvSpPr>
+            <a:spLocks noGrp="1"/>
+          </p:cNvSpPr>
           <p:nvPr>
             <p:ph idx="1"/>
           </p:nvPr>
-        </p:nvPicPr>
-        <p:blipFill>
-          <a:blip r:embed="rId2">
-            <a:extLst>
-              <a:ext uri="{28A0092B-C50C-407E-A947-70E740481C1C}">
-                <a14:useLocalDpi xmlns:a14="http://schemas.microsoft.com/office/drawing/2010/main" val="0"/>
-              </a:ext>
-            </a:extLst>
-          </a:blip>
-          <a:stretch>
-            <a:fillRect/>
-          </a:stretch>
-        </p:blipFill>
-        <p:spPr>
-          <a:xfrm>
-            <a:off x="1226516" y="1690688"/>
-            <a:ext cx="5649105" cy="4351338"/>
-          </a:xfrm>
-        </p:spPr>
-      </p:pic>
-      <p:sp>
-        <p:nvSpPr>
-          <p:cNvPr id="7" name="Rectangle 6"/>
-          <p:cNvSpPr/>
-          <p:nvPr/>
-        </p:nvSpPr>
-        <p:spPr>
-          <a:xfrm>
-            <a:off x="2036618" y="2660074"/>
-            <a:ext cx="4297680" cy="356178"/>
-          </a:xfrm>
-          <a:prstGeom prst="rect">
-            <a:avLst/>
-          </a:prstGeom>
-          <a:noFill/>
-          <a:ln w="28575">
-            <a:solidFill>
-              <a:srgbClr val="FF0000"/>
-            </a:solidFill>
-          </a:ln>
-        </p:spPr>
-        <p:style>
-          <a:lnRef idx="2">
-            <a:schemeClr val="accent1">
-              <a:shade val="50000"/>
-            </a:schemeClr>
-          </a:lnRef>
-          <a:fillRef idx="1">
-            <a:schemeClr val="accent1"/>
-          </a:fillRef>
-          <a:effectRef idx="0">
-            <a:schemeClr val="accent1"/>
-          </a:effectRef>
-          <a:fontRef idx="minor">
-            <a:schemeClr val="lt1"/>
-          </a:fontRef>
-        </p:style>
-        <p:txBody>
-          <a:bodyPr rtlCol="0" anchor="ctr"/>
-          <a:lstStyle/>
-          <a:p>
-            <a:pPr algn="ctr"/>
-            <a:endParaRPr lang="en-US"/>
-          </a:p>
-        </p:txBody>
-      </p:sp>
-      <p:sp>
-        <p:nvSpPr>
-          <p:cNvPr id="8" name="TextBox 7"/>
-          <p:cNvSpPr txBox="1"/>
-          <p:nvPr/>
-        </p:nvSpPr>
-        <p:spPr>
-          <a:xfrm>
-            <a:off x="7780713" y="3481449"/>
-            <a:ext cx="2461251" cy="523220"/>
-          </a:xfrm>
-          <a:prstGeom prst="rect">
-            <a:avLst/>
-          </a:prstGeom>
-          <a:noFill/>
-        </p:spPr>
-        <p:txBody>
-          <a:bodyPr wrap="none" rtlCol="0">
-            <a:spAutoFit/>
-          </a:bodyPr>
-          <a:lstStyle/>
-          <a:p>
-            <a:r>
-              <a:rPr lang="en-US" sz="2800" dirty="0" smtClean="0">
-                <a:solidFill>
-                  <a:srgbClr val="FF0000"/>
-                </a:solidFill>
-              </a:rPr>
-              <a:t>Where is Scala?</a:t>
-            </a:r>
-            <a:endParaRPr lang="en-US" sz="2800" dirty="0">
-              <a:solidFill>
-                <a:srgbClr val="FF0000"/>
-              </a:solidFill>
-            </a:endParaRPr>
-          </a:p>
-        </p:txBody>
-      </p:sp>
-      <p:sp>
-        <p:nvSpPr>
-          <p:cNvPr id="9" name="TextBox 8"/>
-          <p:cNvSpPr txBox="1"/>
-          <p:nvPr/>
-        </p:nvSpPr>
-        <p:spPr>
-          <a:xfrm>
-            <a:off x="1313411" y="1620982"/>
-            <a:ext cx="5460341" cy="369332"/>
-          </a:xfrm>
-          <a:prstGeom prst="rect">
-            <a:avLst/>
-          </a:prstGeom>
-          <a:noFill/>
-        </p:spPr>
-        <p:txBody>
-          <a:bodyPr wrap="none" rtlCol="0">
-            <a:spAutoFit/>
-          </a:bodyPr>
-          <a:lstStyle/>
-          <a:p>
-            <a:r>
-              <a:rPr lang="en-US" dirty="0" smtClean="0"/>
-              <a:t>Stack Overflow survey 2016: Most popular technologies </a:t>
-            </a:r>
+        </p:nvSpPr>
+        <p:spPr/>
+        <p:txBody>
+          <a:bodyPr/>
+          <a:lstStyle/>
+          <a:p>
+            <a:pPr marL="514350" indent="-514350">
+              <a:buFont typeface="+mj-lt"/>
+              <a:buAutoNum type="arabicPeriod"/>
+            </a:pPr>
+            <a:r>
+              <a:rPr lang="en-US" dirty="0" smtClean="0"/>
+              <a:t>Log Analyzer web-page screenshot is indistinguishable – do something to make it visible</a:t>
+            </a:r>
+          </a:p>
+          <a:p>
+            <a:pPr marL="514350" indent="-514350">
+              <a:buFont typeface="+mj-lt"/>
+              <a:buAutoNum type="arabicPeriod"/>
+            </a:pPr>
+            <a:r>
+              <a:rPr lang="en-US" dirty="0" smtClean="0"/>
+              <a:t>Visualize statistics produced by Log Analyzer</a:t>
+            </a:r>
+          </a:p>
+          <a:p>
+            <a:pPr marL="514350" indent="-514350">
+              <a:buFont typeface="+mj-lt"/>
+              <a:buAutoNum type="arabicPeriod"/>
+            </a:pPr>
+            <a:r>
+              <a:rPr lang="en-US" dirty="0" smtClean="0"/>
+              <a:t>Add web link to the Applications</a:t>
+            </a:r>
+          </a:p>
+          <a:p>
+            <a:pPr marL="514350" indent="-514350">
+              <a:buFont typeface="+mj-lt"/>
+              <a:buAutoNum type="arabicPeriod"/>
+            </a:pPr>
+            <a:r>
+              <a:rPr lang="en-US" dirty="0" smtClean="0"/>
+              <a:t>[optional] White background looks not so good – change?</a:t>
+            </a:r>
+          </a:p>
+          <a:p>
+            <a:pPr marL="514350" indent="-514350">
+              <a:buFont typeface="+mj-lt"/>
+              <a:buAutoNum type="arabicPeriod"/>
+            </a:pPr>
+            <a:r>
+              <a:rPr lang="en-US" dirty="0" smtClean="0"/>
+              <a:t>[optional] QR codes for web links</a:t>
+            </a:r>
+          </a:p>
+          <a:p>
             <a:endParaRPr lang="en-US" dirty="0"/>
-          </a:p>
-        </p:txBody>
-      </p:sp>
-      <p:sp>
-        <p:nvSpPr>
-          <p:cNvPr id="10" name="Rectangle 9"/>
-          <p:cNvSpPr/>
-          <p:nvPr/>
-        </p:nvSpPr>
-        <p:spPr>
-          <a:xfrm>
-            <a:off x="1313411" y="6019024"/>
-            <a:ext cx="7930342" cy="261610"/>
-          </a:xfrm>
-          <a:prstGeom prst="rect">
-            <a:avLst/>
-          </a:prstGeom>
-        </p:spPr>
-        <p:txBody>
-          <a:bodyPr wrap="square">
-            <a:spAutoFit/>
-          </a:bodyPr>
-          <a:lstStyle/>
-          <a:p>
-            <a:r>
-              <a:rPr lang="en-US" sz="1100" smtClean="0"/>
-              <a:t>http://stackoverflow.com/research/developer-survey-2016#technology</a:t>
-            </a:r>
-            <a:endParaRPr lang="en-US" sz="1100"/>
           </a:p>
         </p:txBody>
       </p:sp>
@@ -3236,11 +3122,239 @@
           <a:p>
             <a:r>
               <a:rPr lang="en-US" dirty="0" smtClean="0"/>
-              <a:t>Databricks Reference Applications </a:t>
-            </a:r>
-            <a:r>
-              <a:rPr lang="en-US" dirty="0" smtClean="0"/>
-              <a:t>in Java</a:t>
+              <a:t>Why Reference Applications in Java?</a:t>
+            </a:r>
+            <a:endParaRPr lang="en-US" dirty="0"/>
+          </a:p>
+        </p:txBody>
+      </p:sp>
+      <p:pic>
+        <p:nvPicPr>
+          <p:cNvPr id="6" name="Content Placeholder 5"/>
+          <p:cNvPicPr>
+            <a:picLocks noGrp="1" noChangeAspect="1"/>
+          </p:cNvPicPr>
+          <p:nvPr>
+            <p:ph idx="1"/>
+          </p:nvPr>
+        </p:nvPicPr>
+        <p:blipFill>
+          <a:blip r:embed="rId2">
+            <a:extLst>
+              <a:ext uri="{28A0092B-C50C-407E-A947-70E740481C1C}">
+                <a14:useLocalDpi xmlns:a14="http://schemas.microsoft.com/office/drawing/2010/main" val="0"/>
+              </a:ext>
+            </a:extLst>
+          </a:blip>
+          <a:stretch>
+            <a:fillRect/>
+          </a:stretch>
+        </p:blipFill>
+        <p:spPr>
+          <a:xfrm>
+            <a:off x="1226516" y="1690688"/>
+            <a:ext cx="5649105" cy="4351338"/>
+          </a:xfrm>
+        </p:spPr>
+      </p:pic>
+      <p:sp>
+        <p:nvSpPr>
+          <p:cNvPr id="7" name="Rectangle 6"/>
+          <p:cNvSpPr/>
+          <p:nvPr/>
+        </p:nvSpPr>
+        <p:spPr>
+          <a:xfrm>
+            <a:off x="2036618" y="2660074"/>
+            <a:ext cx="4297680" cy="356178"/>
+          </a:xfrm>
+          <a:prstGeom prst="rect">
+            <a:avLst/>
+          </a:prstGeom>
+          <a:noFill/>
+          <a:ln w="28575">
+            <a:solidFill>
+              <a:srgbClr val="FF0000"/>
+            </a:solidFill>
+          </a:ln>
+        </p:spPr>
+        <p:style>
+          <a:lnRef idx="2">
+            <a:schemeClr val="accent1">
+              <a:shade val="50000"/>
+            </a:schemeClr>
+          </a:lnRef>
+          <a:fillRef idx="1">
+            <a:schemeClr val="accent1"/>
+          </a:fillRef>
+          <a:effectRef idx="0">
+            <a:schemeClr val="accent1"/>
+          </a:effectRef>
+          <a:fontRef idx="minor">
+            <a:schemeClr val="lt1"/>
+          </a:fontRef>
+        </p:style>
+        <p:txBody>
+          <a:bodyPr rtlCol="0" anchor="ctr"/>
+          <a:lstStyle/>
+          <a:p>
+            <a:pPr algn="ctr"/>
+            <a:endParaRPr lang="en-US"/>
+          </a:p>
+        </p:txBody>
+      </p:sp>
+      <p:sp>
+        <p:nvSpPr>
+          <p:cNvPr id="8" name="TextBox 7"/>
+          <p:cNvSpPr txBox="1"/>
+          <p:nvPr/>
+        </p:nvSpPr>
+        <p:spPr>
+          <a:xfrm>
+            <a:off x="7780713" y="3481449"/>
+            <a:ext cx="2461251" cy="523220"/>
+          </a:xfrm>
+          <a:prstGeom prst="rect">
+            <a:avLst/>
+          </a:prstGeom>
+          <a:noFill/>
+        </p:spPr>
+        <p:txBody>
+          <a:bodyPr wrap="none" rtlCol="0">
+            <a:spAutoFit/>
+          </a:bodyPr>
+          <a:lstStyle/>
+          <a:p>
+            <a:r>
+              <a:rPr lang="en-US" sz="2800" dirty="0" smtClean="0">
+                <a:solidFill>
+                  <a:srgbClr val="FF0000"/>
+                </a:solidFill>
+              </a:rPr>
+              <a:t>Where is Scala?</a:t>
+            </a:r>
+            <a:endParaRPr lang="en-US" sz="2800" dirty="0">
+              <a:solidFill>
+                <a:srgbClr val="FF0000"/>
+              </a:solidFill>
+            </a:endParaRPr>
+          </a:p>
+        </p:txBody>
+      </p:sp>
+      <p:sp>
+        <p:nvSpPr>
+          <p:cNvPr id="9" name="TextBox 8"/>
+          <p:cNvSpPr txBox="1"/>
+          <p:nvPr/>
+        </p:nvSpPr>
+        <p:spPr>
+          <a:xfrm>
+            <a:off x="1313411" y="1620982"/>
+            <a:ext cx="5460341" cy="369332"/>
+          </a:xfrm>
+          <a:prstGeom prst="rect">
+            <a:avLst/>
+          </a:prstGeom>
+          <a:noFill/>
+        </p:spPr>
+        <p:txBody>
+          <a:bodyPr wrap="none" rtlCol="0">
+            <a:spAutoFit/>
+          </a:bodyPr>
+          <a:lstStyle/>
+          <a:p>
+            <a:r>
+              <a:rPr lang="en-US" dirty="0" smtClean="0"/>
+              <a:t>Stack Overflow survey 2016: Most popular technologies </a:t>
+            </a:r>
+            <a:endParaRPr lang="en-US" dirty="0"/>
+          </a:p>
+        </p:txBody>
+      </p:sp>
+      <p:sp>
+        <p:nvSpPr>
+          <p:cNvPr id="10" name="Rectangle 9"/>
+          <p:cNvSpPr/>
+          <p:nvPr/>
+        </p:nvSpPr>
+        <p:spPr>
+          <a:xfrm>
+            <a:off x="1313411" y="6019024"/>
+            <a:ext cx="7930342" cy="261610"/>
+          </a:xfrm>
+          <a:prstGeom prst="rect">
+            <a:avLst/>
+          </a:prstGeom>
+        </p:spPr>
+        <p:txBody>
+          <a:bodyPr wrap="square">
+            <a:spAutoFit/>
+          </a:bodyPr>
+          <a:lstStyle/>
+          <a:p>
+            <a:r>
+              <a:rPr lang="en-US" sz="1100" smtClean="0"/>
+              <a:t>http://stackoverflow.com/research/developer-survey-2016#technology</a:t>
+            </a:r>
+            <a:endParaRPr lang="en-US" sz="1100"/>
+          </a:p>
+        </p:txBody>
+      </p:sp>
+    </p:spTree>
+    <p:extLst>
+      <p:ext uri="{BB962C8B-B14F-4D97-AF65-F5344CB8AC3E}">
+        <p14:creationId xmlns:p14="http://schemas.microsoft.com/office/powerpoint/2010/main" val="1643303015"/>
+      </p:ext>
+    </p:extLst>
+  </p:cSld>
+  <p:clrMapOvr>
+    <a:masterClrMapping/>
+  </p:clrMapOvr>
+  <p:timing>
+    <p:tnLst>
+      <p:par>
+        <p:cTn id="1" dur="indefinite" restart="never" nodeType="tmRoot"/>
+      </p:par>
+    </p:tnLst>
+  </p:timing>
+</p:sld>
+</file>
+
+<file path=ppt/slides/slide3.xml><?xml version="1.0" encoding="utf-8"?>
+<p:sld xmlns:a="http://schemas.openxmlformats.org/drawingml/2006/main" xmlns:r="http://schemas.openxmlformats.org/officeDocument/2006/relationships" xmlns:p="http://schemas.openxmlformats.org/presentationml/2006/main">
+  <p:cSld>
+    <p:spTree>
+      <p:nvGrpSpPr>
+        <p:cNvPr id="1" name=""/>
+        <p:cNvGrpSpPr/>
+        <p:nvPr/>
+      </p:nvGrpSpPr>
+      <p:grpSpPr>
+        <a:xfrm>
+          <a:off x="0" y="0"/>
+          <a:ext cx="0" cy="0"/>
+          <a:chOff x="0" y="0"/>
+          <a:chExt cx="0" cy="0"/>
+        </a:xfrm>
+      </p:grpSpPr>
+      <p:sp>
+        <p:nvSpPr>
+          <p:cNvPr id="4" name="Title 3"/>
+          <p:cNvSpPr>
+            <a:spLocks noGrp="1"/>
+          </p:cNvSpPr>
+          <p:nvPr>
+            <p:ph type="title"/>
+          </p:nvPr>
+        </p:nvSpPr>
+        <p:spPr/>
+        <p:txBody>
+          <a:bodyPr/>
+          <a:lstStyle/>
+          <a:p>
+            <a:r>
+              <a:rPr lang="en-US" dirty="0" smtClean="0"/>
+              <a:t>Databricks Reference Applications in Java</a:t>
             </a:r>
             <a:endParaRPr lang="en-US" dirty="0"/>
           </a:p>
@@ -3317,7 +3431,7 @@
 </p:sld>
 </file>
 
-<file path=ppt/slides/slide3.xml><?xml version="1.0" encoding="utf-8"?>
+<file path=ppt/slides/slide4.xml><?xml version="1.0" encoding="utf-8"?>
 <p:sld xmlns:a="http://schemas.openxmlformats.org/drawingml/2006/main" xmlns:r="http://schemas.openxmlformats.org/officeDocument/2006/relationships" xmlns:p="http://schemas.openxmlformats.org/presentationml/2006/main">
   <p:cSld>
     <p:spTree>
@@ -3441,147 +3555,6 @@
 </p:sld>
 </file>
 
-<file path=ppt/slides/slide4.xml><?xml version="1.0" encoding="utf-8"?>
-<p:sld xmlns:a="http://schemas.openxmlformats.org/drawingml/2006/main" xmlns:r="http://schemas.openxmlformats.org/officeDocument/2006/relationships" xmlns:p="http://schemas.openxmlformats.org/presentationml/2006/main">
-  <p:cSld>
-    <p:spTree>
-      <p:nvGrpSpPr>
-        <p:cNvPr id="1" name=""/>
-        <p:cNvGrpSpPr/>
-        <p:nvPr/>
-      </p:nvGrpSpPr>
-      <p:grpSpPr>
-        <a:xfrm>
-          <a:off x="0" y="0"/>
-          <a:ext cx="0" cy="0"/>
-          <a:chOff x="0" y="0"/>
-          <a:chExt cx="0" cy="0"/>
-        </a:xfrm>
-      </p:grpSpPr>
-      <p:sp>
-        <p:nvSpPr>
-          <p:cNvPr id="4" name="Title 3"/>
-          <p:cNvSpPr>
-            <a:spLocks noGrp="1"/>
-          </p:cNvSpPr>
-          <p:nvPr>
-            <p:ph type="title"/>
-          </p:nvPr>
-        </p:nvSpPr>
-        <p:spPr/>
-        <p:txBody>
-          <a:bodyPr/>
-          <a:lstStyle/>
-          <a:p>
-            <a:r>
-              <a:rPr lang="en-US" dirty="0" smtClean="0"/>
-              <a:t>Statistics from Log Analyzer</a:t>
-            </a:r>
-            <a:endParaRPr lang="en-US" dirty="0"/>
-          </a:p>
-        </p:txBody>
-      </p:sp>
-      <p:sp>
-        <p:nvSpPr>
-          <p:cNvPr id="5" name="Content Placeholder 4"/>
-          <p:cNvSpPr>
-            <a:spLocks noGrp="1"/>
-          </p:cNvSpPr>
-          <p:nvPr>
-            <p:ph idx="1"/>
-          </p:nvPr>
-        </p:nvSpPr>
-        <p:spPr/>
-        <p:txBody>
-          <a:bodyPr/>
-          <a:lstStyle/>
-          <a:p>
-            <a:r>
-              <a:rPr lang="en-US" dirty="0" smtClean="0"/>
-              <a:t>Statistics on HTTP requests</a:t>
-            </a:r>
-          </a:p>
-          <a:p>
-            <a:pPr lvl="1"/>
-            <a:r>
-              <a:rPr lang="en-US" dirty="0" smtClean="0"/>
-              <a:t>content size: min / max / average</a:t>
-            </a:r>
-          </a:p>
-          <a:p>
-            <a:pPr lvl="1"/>
-            <a:r>
-              <a:rPr lang="en-US" dirty="0" smtClean="0"/>
-              <a:t>response code counts</a:t>
-            </a:r>
-          </a:p>
-          <a:p>
-            <a:pPr lvl="1"/>
-            <a:r>
-              <a:rPr lang="en-US" dirty="0" smtClean="0"/>
-              <a:t>clients accessed the server more than 10 times</a:t>
-            </a:r>
-          </a:p>
-          <a:p>
-            <a:pPr lvl="1"/>
-            <a:r>
-              <a:rPr lang="en-US" dirty="0" smtClean="0"/>
-              <a:t>top 10 accessed endpoints</a:t>
-            </a:r>
-          </a:p>
-          <a:p>
-            <a:r>
-              <a:rPr lang="en-US" dirty="0" smtClean="0"/>
-              <a:t>Sliding </a:t>
-            </a:r>
-            <a:r>
-              <a:rPr lang="en-US" dirty="0"/>
-              <a:t>window and </a:t>
-            </a:r>
-            <a:r>
-              <a:rPr lang="en-US" dirty="0" smtClean="0"/>
-              <a:t>total</a:t>
-            </a:r>
-          </a:p>
-          <a:p>
-            <a:r>
-              <a:rPr lang="en-US" dirty="0"/>
-              <a:t>Real-time input </a:t>
-            </a:r>
-            <a:r>
-              <a:rPr lang="en-US" dirty="0" smtClean="0"/>
-              <a:t>data</a:t>
-            </a:r>
-            <a:endParaRPr lang="en-US" dirty="0"/>
-          </a:p>
-          <a:p>
-            <a:endParaRPr lang="en-US" dirty="0" smtClean="0"/>
-          </a:p>
-          <a:p>
-            <a:endParaRPr lang="en-US" dirty="0" smtClean="0"/>
-          </a:p>
-        </p:txBody>
-      </p:sp>
-    </p:spTree>
-    <p:extLst>
-      <p:ext uri="{BB962C8B-B14F-4D97-AF65-F5344CB8AC3E}">
-        <p14:creationId xmlns:p14="http://schemas.microsoft.com/office/powerpoint/2010/main" val="1085517476"/>
-      </p:ext>
-    </p:extLst>
-  </p:cSld>
-  <p:clrMapOvr>
-    <a:masterClrMapping/>
-  </p:clrMapOvr>
-  <p:timing>
-    <p:tnLst>
-      <p:par>
-        <p:cTn id="1" dur="indefinite" restart="never" nodeType="tmRoot"/>
-      </p:par>
-    </p:tnLst>
-  </p:timing>
-</p:sld>
-</file>
-
 <file path=ppt/slides/slide5.xml><?xml version="1.0" encoding="utf-8"?>
 <p:sld xmlns:a="http://schemas.openxmlformats.org/drawingml/2006/main" xmlns:r="http://schemas.openxmlformats.org/officeDocument/2006/relationships" xmlns:p="http://schemas.openxmlformats.org/presentationml/2006/main">
   <p:cSld>
@@ -3616,7 +3589,7 @@
           <a:p>
             <a:r>
               <a:rPr lang="en-US" dirty="0" smtClean="0"/>
-              <a:t>Spark features in Log Analyzer</a:t>
+              <a:t>Statistics from Log Analyzer</a:t>
             </a:r>
             <a:endParaRPr lang="en-US" dirty="0"/>
           </a:p>
@@ -3624,7 +3597,7 @@
       </p:sp>
       <p:sp>
         <p:nvSpPr>
-          <p:cNvPr id="8" name="Content Placeholder 7"/>
+          <p:cNvPr id="5" name="Content Placeholder 4"/>
           <p:cNvSpPr>
             <a:spLocks noGrp="1"/>
           </p:cNvSpPr>
@@ -3639,205 +3612,74 @@
           <a:p>
             <a:r>
               <a:rPr lang="en-US" dirty="0" smtClean="0"/>
-              <a:t>Spark Streaming</a:t>
-            </a:r>
-          </a:p>
-          <a:p>
-            <a:r>
-              <a:rPr lang="en-US" dirty="0" smtClean="0"/>
-              <a:t>Directory polling: </a:t>
-            </a:r>
-            <a:r>
-              <a:rPr lang="en-US" dirty="0" err="1" smtClean="0">
-                <a:solidFill>
-                  <a:schemeClr val="accent6">
-                    <a:lumMod val="50000"/>
-                  </a:schemeClr>
-                </a:solidFill>
-              </a:rPr>
-              <a:t>textFileStream</a:t>
-            </a:r>
-            <a:r>
-              <a:rPr lang="en-US" dirty="0" smtClean="0">
-                <a:solidFill>
-                  <a:schemeClr val="accent6">
-                    <a:lumMod val="50000"/>
-                  </a:schemeClr>
-                </a:solidFill>
-              </a:rPr>
-              <a:t>()</a:t>
-            </a:r>
-          </a:p>
-          <a:p>
-            <a:r>
-              <a:rPr lang="en-US" dirty="0" smtClean="0"/>
-              <a:t>Sliding window calculations: </a:t>
-            </a:r>
-            <a:r>
-              <a:rPr lang="en-US" dirty="0" smtClean="0">
-                <a:solidFill>
-                  <a:schemeClr val="accent6">
-                    <a:lumMod val="50000"/>
-                  </a:schemeClr>
-                </a:solidFill>
-              </a:rPr>
-              <a:t>window()</a:t>
-            </a:r>
-          </a:p>
-          <a:p>
-            <a:r>
-              <a:rPr lang="en-US" dirty="0" smtClean="0"/>
-              <a:t>Cumulative state update: </a:t>
-            </a:r>
-            <a:r>
-              <a:rPr lang="en-US" dirty="0" err="1" smtClean="0">
-                <a:solidFill>
-                  <a:schemeClr val="accent6">
-                    <a:lumMod val="50000"/>
-                  </a:schemeClr>
-                </a:solidFill>
-              </a:rPr>
-              <a:t>updateStateByKey</a:t>
-            </a:r>
-            <a:r>
-              <a:rPr lang="en-US" dirty="0" smtClean="0">
-                <a:solidFill>
-                  <a:schemeClr val="accent6">
-                    <a:lumMod val="50000"/>
-                  </a:schemeClr>
-                </a:solidFill>
-              </a:rPr>
-              <a:t>()</a:t>
-            </a:r>
-          </a:p>
-          <a:p>
-            <a:r>
-              <a:rPr lang="en-US" dirty="0" smtClean="0"/>
-              <a:t>Transformations: </a:t>
-            </a:r>
-            <a:r>
-              <a:rPr lang="en-US" dirty="0" smtClean="0">
-                <a:solidFill>
-                  <a:schemeClr val="accent6">
-                    <a:lumMod val="50000"/>
-                  </a:schemeClr>
-                </a:solidFill>
-              </a:rPr>
-              <a:t>map()</a:t>
-            </a:r>
-            <a:r>
-              <a:rPr lang="en-US" dirty="0" smtClean="0"/>
-              <a:t>, </a:t>
-            </a:r>
-            <a:r>
-              <a:rPr lang="en-US" dirty="0" err="1" smtClean="0">
-                <a:solidFill>
-                  <a:schemeClr val="accent6">
-                    <a:lumMod val="50000"/>
-                  </a:schemeClr>
-                </a:solidFill>
-              </a:rPr>
-              <a:t>maptToPair</a:t>
-            </a:r>
-            <a:r>
-              <a:rPr lang="en-US" dirty="0" smtClean="0">
-                <a:solidFill>
-                  <a:schemeClr val="accent6">
-                    <a:lumMod val="50000"/>
-                  </a:schemeClr>
-                </a:solidFill>
-              </a:rPr>
-              <a:t>()</a:t>
-            </a:r>
-            <a:r>
-              <a:rPr lang="en-US" dirty="0" smtClean="0"/>
-              <a:t>, </a:t>
-            </a:r>
-            <a:r>
-              <a:rPr lang="en-US" dirty="0" smtClean="0">
-                <a:solidFill>
-                  <a:schemeClr val="accent6">
-                    <a:lumMod val="50000"/>
-                  </a:schemeClr>
-                </a:solidFill>
-              </a:rPr>
-              <a:t>filter()</a:t>
-            </a:r>
-          </a:p>
-          <a:p>
-            <a:r>
-              <a:rPr lang="en-US" dirty="0" smtClean="0"/>
-              <a:t>Calculations: </a:t>
-            </a:r>
-            <a:r>
-              <a:rPr lang="en-US" dirty="0" smtClean="0">
-                <a:solidFill>
-                  <a:schemeClr val="accent6">
-                    <a:lumMod val="50000"/>
-                  </a:schemeClr>
-                </a:solidFill>
-              </a:rPr>
-              <a:t>reduce()</a:t>
-            </a:r>
-            <a:r>
-              <a:rPr lang="en-US" dirty="0" smtClean="0"/>
-              <a:t> , </a:t>
-            </a:r>
-            <a:r>
-              <a:rPr lang="en-US" dirty="0" err="1" smtClean="0">
-                <a:solidFill>
-                  <a:schemeClr val="accent6">
-                    <a:lumMod val="50000"/>
-                  </a:schemeClr>
-                </a:solidFill>
-              </a:rPr>
-              <a:t>reduceByKey</a:t>
-            </a:r>
-            <a:r>
-              <a:rPr lang="en-US" dirty="0" smtClean="0">
-                <a:solidFill>
-                  <a:schemeClr val="accent6">
-                    <a:lumMod val="50000"/>
-                  </a:schemeClr>
-                </a:solidFill>
-              </a:rPr>
-              <a:t>()</a:t>
-            </a:r>
-            <a:r>
-              <a:rPr lang="en-US" dirty="0" smtClean="0"/>
-              <a:t>, </a:t>
-            </a:r>
-            <a:r>
-              <a:rPr lang="en-US" dirty="0" smtClean="0">
-                <a:solidFill>
-                  <a:schemeClr val="accent6">
-                    <a:lumMod val="50000"/>
-                  </a:schemeClr>
-                </a:solidFill>
-              </a:rPr>
-              <a:t>min()</a:t>
-            </a:r>
-            <a:r>
-              <a:rPr lang="en-US" dirty="0" smtClean="0"/>
-              <a:t>, </a:t>
-            </a:r>
-            <a:r>
-              <a:rPr lang="en-US" dirty="0" smtClean="0">
-                <a:solidFill>
-                  <a:schemeClr val="accent6">
-                    <a:lumMod val="50000"/>
-                  </a:schemeClr>
-                </a:solidFill>
-              </a:rPr>
-              <a:t>max()</a:t>
-            </a:r>
+              <a:t>Statistics on HTTP requests</a:t>
+            </a:r>
+          </a:p>
+          <a:p>
+            <a:pPr lvl="1"/>
+            <a:r>
+              <a:rPr lang="en-US" dirty="0" smtClean="0"/>
+              <a:t>content size: min / max / average</a:t>
+            </a:r>
+          </a:p>
+          <a:p>
+            <a:pPr lvl="1"/>
+            <a:r>
+              <a:rPr lang="en-US" dirty="0" smtClean="0"/>
+              <a:t>response code counts</a:t>
+            </a:r>
+          </a:p>
+          <a:p>
+            <a:pPr lvl="1"/>
+            <a:r>
+              <a:rPr lang="en-US" dirty="0" smtClean="0"/>
+              <a:t>clients accessed the server more than 10 times</a:t>
+            </a:r>
+          </a:p>
+          <a:p>
+            <a:pPr lvl="1"/>
+            <a:r>
+              <a:rPr lang="en-US" dirty="0" smtClean="0"/>
+              <a:t>top 10 accessed endpoints</a:t>
+            </a:r>
+          </a:p>
+          <a:p>
+            <a:r>
+              <a:rPr lang="en-US" dirty="0" smtClean="0"/>
+              <a:t>Sliding </a:t>
+            </a:r>
+            <a:r>
+              <a:rPr lang="en-US" dirty="0"/>
+              <a:t>window and </a:t>
+            </a:r>
+            <a:r>
+              <a:rPr lang="en-US" dirty="0" smtClean="0"/>
+              <a:t>total</a:t>
+            </a:r>
+          </a:p>
+          <a:p>
+            <a:r>
+              <a:rPr lang="en-US" dirty="0"/>
+              <a:t>Real-time input </a:t>
+            </a:r>
+            <a:r>
+              <a:rPr lang="en-US" dirty="0" smtClean="0"/>
+              <a:t>data</a:t>
+            </a:r>
+            <a:endParaRPr lang="en-US" dirty="0"/>
+          </a:p>
+          <a:p>
+            <a:endParaRPr lang="en-US" dirty="0" smtClean="0"/>
+          </a:p>
+          <a:p>
+            <a:endParaRPr lang="en-US" dirty="0" smtClean="0"/>
           </a:p>
         </p:txBody>
       </p:sp>
     </p:spTree>
     <p:extLst>
       <p:ext uri="{BB962C8B-B14F-4D97-AF65-F5344CB8AC3E}">
-        <p14:creationId xmlns:p14="http://schemas.microsoft.com/office/powerpoint/2010/main" val="471134155"/>
+        <p14:creationId xmlns:p14="http://schemas.microsoft.com/office/powerpoint/2010/main" val="1085517476"/>
       </p:ext>
     </p:extLst>
   </p:cSld>
@@ -3888,7 +3730,7 @@
           <a:p>
             <a:r>
               <a:rPr lang="en-US" dirty="0" smtClean="0"/>
-              <a:t>Other Spark features in Chapters 1-3</a:t>
+              <a:t>Spark features in Log Analyzer</a:t>
             </a:r>
             <a:endParaRPr lang="en-US" dirty="0"/>
           </a:p>
@@ -3896,7 +3738,7 @@
       </p:sp>
       <p:sp>
         <p:nvSpPr>
-          <p:cNvPr id="5" name="Content Placeholder 4"/>
+          <p:cNvPr id="8" name="Content Placeholder 7"/>
           <p:cNvSpPr>
             <a:spLocks noGrp="1"/>
           </p:cNvSpPr>
@@ -3911,34 +3753,13 @@
           <a:p>
             <a:r>
               <a:rPr lang="en-US" dirty="0" smtClean="0"/>
-              <a:t>Spark SQL API</a:t>
-            </a:r>
-          </a:p>
-          <a:p>
-            <a:pPr lvl="1"/>
-            <a:r>
-              <a:rPr lang="en-US" dirty="0" smtClean="0"/>
-              <a:t>Dataset concept</a:t>
-            </a:r>
-          </a:p>
-          <a:p>
-            <a:pPr lvl="1"/>
-            <a:r>
-              <a:rPr lang="en-US" dirty="0" smtClean="0"/>
-              <a:t>SQL queries</a:t>
-            </a:r>
-          </a:p>
-          <a:p>
-            <a:r>
-              <a:rPr lang="en-US" dirty="0" smtClean="0"/>
-              <a:t>Spark Streaming API</a:t>
-            </a:r>
-          </a:p>
-          <a:p>
-            <a:pPr lvl="1"/>
-            <a:r>
-              <a:rPr lang="en-US" dirty="0" smtClean="0"/>
-              <a:t>DRY with </a:t>
+              <a:t>Spark Streaming</a:t>
+            </a:r>
+          </a:p>
+          <a:p>
+            <a:r>
+              <a:rPr lang="en-US" dirty="0" smtClean="0"/>
+              <a:t>Directory polling: </a:t>
             </a:r>
             <a:r>
               <a:rPr lang="en-US" dirty="0" err="1" smtClean="0">
@@ -3948,7 +3769,7 @@
                   </a:schemeClr>
                 </a:solidFill>
               </a:rPr>
-              <a:t>foreachRDD</a:t>
+              <a:t>textFileStream</a:t>
             </a:r>
             <a:r>
               <a:rPr lang="en-US" dirty="0" smtClean="0">
@@ -3960,41 +3781,177 @@
               </a:rPr>
               <a:t>()</a:t>
             </a:r>
-            <a:r>
-              <a:rPr lang="en-US" dirty="0" smtClean="0"/>
-              <a:t> and Java 8 lambdas</a:t>
-            </a:r>
-          </a:p>
-          <a:p>
-            <a:r>
-              <a:rPr lang="en-US" dirty="0" smtClean="0"/>
-              <a:t>Data output to file system</a:t>
-            </a:r>
-          </a:p>
-          <a:p>
-            <a:pPr lvl="1"/>
-            <a:r>
-              <a:rPr lang="en-US" dirty="0" smtClean="0"/>
-              <a:t>Small data</a:t>
-            </a:r>
-          </a:p>
-          <a:p>
-            <a:pPr lvl="1"/>
-            <a:r>
-              <a:rPr lang="en-US" dirty="0" smtClean="0"/>
-              <a:t>Large data</a:t>
-            </a:r>
-          </a:p>
-          <a:p>
-            <a:pPr lvl="1"/>
-            <a:endParaRPr lang="en-US" dirty="0" smtClean="0"/>
+          </a:p>
+          <a:p>
+            <a:r>
+              <a:rPr lang="en-US" dirty="0" smtClean="0"/>
+              <a:t>Sliding window calculations: </a:t>
+            </a:r>
+            <a:r>
+              <a:rPr lang="en-US" dirty="0" smtClean="0">
+                <a:solidFill>
+                  <a:schemeClr val="accent6">
+                    <a:lumMod val="50000"/>
+                  </a:schemeClr>
+                </a:solidFill>
+              </a:rPr>
+              <a:t>window()</a:t>
+            </a:r>
+          </a:p>
+          <a:p>
+            <a:r>
+              <a:rPr lang="en-US" dirty="0" smtClean="0"/>
+              <a:t>Cumulative state update: </a:t>
+            </a:r>
+            <a:r>
+              <a:rPr lang="en-US" dirty="0" err="1" smtClean="0">
+                <a:solidFill>
+                  <a:schemeClr val="accent6">
+                    <a:lumMod val="50000"/>
+                  </a:schemeClr>
+                </a:solidFill>
+              </a:rPr>
+              <a:t>updateStateByKey</a:t>
+            </a:r>
+            <a:r>
+              <a:rPr lang="en-US" dirty="0" smtClean="0">
+                <a:solidFill>
+                  <a:schemeClr val="accent6">
+                    <a:lumMod val="50000"/>
+                  </a:schemeClr>
+                </a:solidFill>
+              </a:rPr>
+              <a:t>()</a:t>
+            </a:r>
+          </a:p>
+          <a:p>
+            <a:r>
+              <a:rPr lang="en-US" dirty="0" smtClean="0"/>
+              <a:t>Transformations: </a:t>
+            </a:r>
+            <a:r>
+              <a:rPr lang="en-US" dirty="0" smtClean="0">
+                <a:solidFill>
+                  <a:schemeClr val="accent6">
+                    <a:lumMod val="50000"/>
+                  </a:schemeClr>
+                </a:solidFill>
+              </a:rPr>
+              <a:t>map()</a:t>
+            </a:r>
+            <a:r>
+              <a:rPr lang="en-US" dirty="0" smtClean="0"/>
+              <a:t>, </a:t>
+            </a:r>
+            <a:r>
+              <a:rPr lang="en-US" dirty="0" err="1" smtClean="0">
+                <a:solidFill>
+                  <a:schemeClr val="accent6">
+                    <a:lumMod val="50000"/>
+                  </a:schemeClr>
+                </a:solidFill>
+              </a:rPr>
+              <a:t>maptToPair</a:t>
+            </a:r>
+            <a:r>
+              <a:rPr lang="en-US" dirty="0" smtClean="0">
+                <a:solidFill>
+                  <a:schemeClr val="accent6">
+                    <a:lumMod val="50000"/>
+                  </a:schemeClr>
+                </a:solidFill>
+              </a:rPr>
+              <a:t>()</a:t>
+            </a:r>
+            <a:r>
+              <a:rPr lang="en-US" dirty="0" smtClean="0"/>
+              <a:t>, </a:t>
+            </a:r>
+            <a:r>
+              <a:rPr lang="en-US" dirty="0" smtClean="0">
+                <a:solidFill>
+                  <a:schemeClr val="accent6">
+                    <a:lumMod val="50000"/>
+                  </a:schemeClr>
+                </a:solidFill>
+              </a:rPr>
+              <a:t>filter()</a:t>
+            </a:r>
+          </a:p>
+          <a:p>
+            <a:r>
+              <a:rPr lang="en-US" dirty="0" smtClean="0"/>
+              <a:t>Calculations: </a:t>
+            </a:r>
+            <a:r>
+              <a:rPr lang="en-US" dirty="0" smtClean="0">
+                <a:solidFill>
+                  <a:schemeClr val="accent6">
+                    <a:lumMod val="50000"/>
+                  </a:schemeClr>
+                </a:solidFill>
+              </a:rPr>
+              <a:t>reduce()</a:t>
+            </a:r>
+            <a:r>
+              <a:rPr lang="en-US" dirty="0" smtClean="0"/>
+              <a:t> , </a:t>
+            </a:r>
+            <a:r>
+              <a:rPr lang="en-US" dirty="0" err="1" smtClean="0">
+                <a:solidFill>
+                  <a:schemeClr val="accent6">
+                    <a:lumMod val="50000"/>
+                  </a:schemeClr>
+                </a:solidFill>
+              </a:rPr>
+              <a:t>reduceByKey</a:t>
+            </a:r>
+            <a:r>
+              <a:rPr lang="en-US" dirty="0" smtClean="0">
+                <a:solidFill>
+                  <a:schemeClr val="accent6">
+                    <a:lumMod val="50000"/>
+                  </a:schemeClr>
+                </a:solidFill>
+              </a:rPr>
+              <a:t>()</a:t>
+            </a:r>
+            <a:r>
+              <a:rPr lang="en-US" dirty="0" smtClean="0"/>
+              <a:t>, </a:t>
+            </a:r>
+            <a:r>
+              <a:rPr lang="en-US" dirty="0" smtClean="0">
+                <a:solidFill>
+                  <a:schemeClr val="accent6">
+                    <a:lumMod val="50000"/>
+                  </a:schemeClr>
+                </a:solidFill>
+              </a:rPr>
+              <a:t>min()</a:t>
+            </a:r>
+            <a:r>
+              <a:rPr lang="en-US" dirty="0" smtClean="0"/>
+              <a:t>, </a:t>
+            </a:r>
+            <a:r>
+              <a:rPr lang="en-US" dirty="0" smtClean="0">
+                <a:solidFill>
+                  <a:schemeClr val="accent6">
+                    <a:lumMod val="50000"/>
+                  </a:schemeClr>
+                </a:solidFill>
+              </a:rPr>
+              <a:t>max()</a:t>
+            </a:r>
           </a:p>
         </p:txBody>
       </p:sp>
     </p:spTree>
     <p:extLst>
       <p:ext uri="{BB962C8B-B14F-4D97-AF65-F5344CB8AC3E}">
-        <p14:creationId xmlns:p14="http://schemas.microsoft.com/office/powerpoint/2010/main" val="1243763067"/>
+        <p14:creationId xmlns:p14="http://schemas.microsoft.com/office/powerpoint/2010/main" val="471134155"/>
       </p:ext>
     </p:extLst>
   </p:cSld>
@@ -4045,11 +4002,164 @@
           <a:p>
             <a:r>
               <a:rPr lang="en-US" dirty="0" smtClean="0"/>
-              <a:t>Java Ref Apps: For Java folks’ wealth and </a:t>
-            </a:r>
-            <a:r>
-              <a:rPr lang="en-US" dirty="0" smtClean="0"/>
-              <a:t>joy</a:t>
+              <a:t>Other Spark features in Chapters 1-3</a:t>
+            </a:r>
+            <a:endParaRPr lang="en-US" dirty="0"/>
+          </a:p>
+        </p:txBody>
+      </p:sp>
+      <p:sp>
+        <p:nvSpPr>
+          <p:cNvPr id="5" name="Content Placeholder 4"/>
+          <p:cNvSpPr>
+            <a:spLocks noGrp="1"/>
+          </p:cNvSpPr>
+          <p:nvPr>
+            <p:ph idx="1"/>
+          </p:nvPr>
+        </p:nvSpPr>
+        <p:spPr/>
+        <p:txBody>
+          <a:bodyPr/>
+          <a:lstStyle/>
+          <a:p>
+            <a:r>
+              <a:rPr lang="en-US" dirty="0" smtClean="0"/>
+              <a:t>Spark SQL API</a:t>
+            </a:r>
+          </a:p>
+          <a:p>
+            <a:pPr lvl="1"/>
+            <a:r>
+              <a:rPr lang="en-US" dirty="0" smtClean="0"/>
+              <a:t>Dataset concept</a:t>
+            </a:r>
+          </a:p>
+          <a:p>
+            <a:pPr lvl="1"/>
+            <a:r>
+              <a:rPr lang="en-US" dirty="0" smtClean="0"/>
+              <a:t>SQL queries</a:t>
+            </a:r>
+          </a:p>
+          <a:p>
+            <a:r>
+              <a:rPr lang="en-US" dirty="0" smtClean="0"/>
+              <a:t>Spark Streaming API</a:t>
+            </a:r>
+          </a:p>
+          <a:p>
+            <a:pPr lvl="1"/>
+            <a:r>
+              <a:rPr lang="en-US" dirty="0" smtClean="0"/>
+              <a:t>DRY with </a:t>
+            </a:r>
+            <a:r>
+              <a:rPr lang="en-US" dirty="0" err="1" smtClean="0">
+                <a:solidFill>
+                  <a:schemeClr val="accent6">
+                    <a:lumMod val="50000"/>
+                  </a:schemeClr>
+                </a:solidFill>
+              </a:rPr>
+              <a:t>foreachRDD</a:t>
+            </a:r>
+            <a:r>
+              <a:rPr lang="en-US" dirty="0" smtClean="0">
+                <a:solidFill>
+                  <a:schemeClr val="accent6">
+                    <a:lumMod val="50000"/>
+                  </a:schemeClr>
+                </a:solidFill>
+              </a:rPr>
+              <a:t>()</a:t>
+            </a:r>
+            <a:r>
+              <a:rPr lang="en-US" dirty="0" smtClean="0"/>
+              <a:t> and Java 8 lambdas</a:t>
+            </a:r>
+          </a:p>
+          <a:p>
+            <a:r>
+              <a:rPr lang="en-US" dirty="0" smtClean="0"/>
+              <a:t>Data output to file system</a:t>
+            </a:r>
+          </a:p>
+          <a:p>
+            <a:pPr lvl="1"/>
+            <a:r>
+              <a:rPr lang="en-US" dirty="0" smtClean="0"/>
+              <a:t>Small data</a:t>
+            </a:r>
+          </a:p>
+          <a:p>
+            <a:pPr lvl="1"/>
+            <a:r>
+              <a:rPr lang="en-US" dirty="0" smtClean="0"/>
+              <a:t>Large data</a:t>
+            </a:r>
+          </a:p>
+          <a:p>
+            <a:pPr lvl="1"/>
+            <a:endParaRPr lang="en-US" dirty="0" smtClean="0"/>
+          </a:p>
+        </p:txBody>
+      </p:sp>
+    </p:spTree>
+    <p:extLst>
+      <p:ext uri="{BB962C8B-B14F-4D97-AF65-F5344CB8AC3E}">
+        <p14:creationId xmlns:p14="http://schemas.microsoft.com/office/powerpoint/2010/main" val="1243763067"/>
+      </p:ext>
+    </p:extLst>
+  </p:cSld>
+  <p:clrMapOvr>
+    <a:masterClrMapping/>
+  </p:clrMapOvr>
+  <p:timing>
+    <p:tnLst>
+      <p:par>
+        <p:cTn id="1" dur="indefinite" restart="never" nodeType="tmRoot"/>
+      </p:par>
+    </p:tnLst>
+  </p:timing>
+</p:sld>
+</file>
+
+<file path=ppt/slides/slide8.xml><?xml version="1.0" encoding="utf-8"?>
+<p:sld xmlns:a="http://schemas.openxmlformats.org/drawingml/2006/main" xmlns:r="http://schemas.openxmlformats.org/officeDocument/2006/relationships" xmlns:p="http://schemas.openxmlformats.org/presentationml/2006/main">
+  <p:cSld>
+    <p:spTree>
+      <p:nvGrpSpPr>
+        <p:cNvPr id="1" name=""/>
+        <p:cNvGrpSpPr/>
+        <p:nvPr/>
+      </p:nvGrpSpPr>
+      <p:grpSpPr>
+        <a:xfrm>
+          <a:off x="0" y="0"/>
+          <a:ext cx="0" cy="0"/>
+          <a:chOff x="0" y="0"/>
+          <a:chExt cx="0" cy="0"/>
+        </a:xfrm>
+      </p:grpSpPr>
+      <p:sp>
+        <p:nvSpPr>
+          <p:cNvPr id="4" name="Title 3"/>
+          <p:cNvSpPr>
+            <a:spLocks noGrp="1"/>
+          </p:cNvSpPr>
+          <p:nvPr>
+            <p:ph type="title"/>
+          </p:nvPr>
+        </p:nvSpPr>
+        <p:spPr/>
+        <p:txBody>
+          <a:bodyPr/>
+          <a:lstStyle/>
+          <a:p>
+            <a:r>
+              <a:rPr lang="en-US" dirty="0" smtClean="0"/>
+              <a:t>Java Ref Apps: For Java folks’ wealth and joy</a:t>
             </a:r>
             <a:endParaRPr lang="en-US" dirty="0"/>
           </a:p>
